--- a/HAH_Dashboard_Demo.pptx
+++ b/HAH_Dashboard_Demo.pptx
@@ -111,6 +111,11 @@
       </a:defRPr>
     </a:lvl9pPr>
   </p:defaultTextStyle>
+  <p:extLst>
+    <p:ext uri="{EFAFB233-063F-42B5-8137-9DF3F51BA10A}">
+      <p15:sldGuideLst xmlns:p15="http://schemas.microsoft.com/office/powerpoint/2012/main"/>
+    </p:ext>
+  </p:extLst>
 </p:presentation>
 </file>
 
@@ -3619,10 +3624,10 @@
       </p:grpSpPr>
       <p:pic>
         <p:nvPicPr>
-          <p:cNvPr id="7" name="Picture 6">
-            <a:extLst>
-              <a:ext uri="{FF2B5EF4-FFF2-40B4-BE49-F238E27FC236}">
-                <a16:creationId xmlns:a16="http://schemas.microsoft.com/office/drawing/2014/main" id="{E923E029-8E4C-7C69-4ED0-3655BBE793F1}"/>
+          <p:cNvPr id="5" name="Picture 4">
+            <a:extLst>
+              <a:ext uri="{FF2B5EF4-FFF2-40B4-BE49-F238E27FC236}">
+                <a16:creationId xmlns:a16="http://schemas.microsoft.com/office/drawing/2014/main" id="{8EA20F7C-2D20-E9AA-94EA-AF9380FA4717}"/>
               </a:ext>
             </a:extLst>
           </p:cNvPr>
@@ -3639,8 +3644,8 @@
         </p:blipFill>
         <p:spPr>
           <a:xfrm>
-            <a:off x="1038122" y="0"/>
-            <a:ext cx="10115756" cy="6858000"/>
+            <a:off x="1033359" y="0"/>
+            <a:ext cx="10125282" cy="6858000"/>
           </a:xfrm>
           <a:prstGeom prst="rect">
             <a:avLst/>
@@ -3679,10 +3684,10 @@
       </p:grpSpPr>
       <p:pic>
         <p:nvPicPr>
-          <p:cNvPr id="5" name="Picture 4">
-            <a:extLst>
-              <a:ext uri="{FF2B5EF4-FFF2-40B4-BE49-F238E27FC236}">
-                <a16:creationId xmlns:a16="http://schemas.microsoft.com/office/drawing/2014/main" id="{1888070B-D301-1951-AE32-C9221CACCED3}"/>
+          <p:cNvPr id="6" name="Picture 5">
+            <a:extLst>
+              <a:ext uri="{FF2B5EF4-FFF2-40B4-BE49-F238E27FC236}">
+                <a16:creationId xmlns:a16="http://schemas.microsoft.com/office/drawing/2014/main" id="{F3E90B39-5699-628E-FFD6-8FF69AD1B543}"/>
               </a:ext>
             </a:extLst>
           </p:cNvPr>
@@ -3700,7 +3705,7 @@
         <p:spPr>
           <a:xfrm>
             <a:off x="1034946" y="0"/>
-            <a:ext cx="10122107" cy="6857999"/>
+            <a:ext cx="10122107" cy="6858000"/>
           </a:xfrm>
           <a:prstGeom prst="rect">
             <a:avLst/>
